--- a/project_05/예매하기.pptx
+++ b/project_05/예매하기.pptx
@@ -104,6 +104,11 @@
       </a:defRPr>
     </a:lvl9pPr>
   </p:defaultTextStyle>
+  <p:extLst>
+    <p:ext uri="{EFAFB233-063F-42B5-8137-9DF3F51BA10A}">
+      <p15:sldGuideLst xmlns:p15="http://schemas.microsoft.com/office/powerpoint/2012/main"/>
+    </p:ext>
+  </p:extLst>
 </p:presentation>
 </file>
 
@@ -254,7 +259,7 @@
           <a:p>
             <a:fld id="{24E151DA-104C-467A-99DA-88BBCE9178F4}" type="datetimeFigureOut">
               <a:rPr lang="ko-KR" altLang="en-US" smtClean="0"/>
-              <a:t>2022-05-25</a:t>
+              <a:t>2022-05-30</a:t>
             </a:fld>
             <a:endParaRPr lang="ko-KR" altLang="en-US"/>
           </a:p>
@@ -452,7 +457,7 @@
           <a:p>
             <a:fld id="{24E151DA-104C-467A-99DA-88BBCE9178F4}" type="datetimeFigureOut">
               <a:rPr lang="ko-KR" altLang="en-US" smtClean="0"/>
-              <a:t>2022-05-25</a:t>
+              <a:t>2022-05-30</a:t>
             </a:fld>
             <a:endParaRPr lang="ko-KR" altLang="en-US"/>
           </a:p>
@@ -660,7 +665,7 @@
           <a:p>
             <a:fld id="{24E151DA-104C-467A-99DA-88BBCE9178F4}" type="datetimeFigureOut">
               <a:rPr lang="ko-KR" altLang="en-US" smtClean="0"/>
-              <a:t>2022-05-25</a:t>
+              <a:t>2022-05-30</a:t>
             </a:fld>
             <a:endParaRPr lang="ko-KR" altLang="en-US"/>
           </a:p>
@@ -858,7 +863,7 @@
           <a:p>
             <a:fld id="{24E151DA-104C-467A-99DA-88BBCE9178F4}" type="datetimeFigureOut">
               <a:rPr lang="ko-KR" altLang="en-US" smtClean="0"/>
-              <a:t>2022-05-25</a:t>
+              <a:t>2022-05-30</a:t>
             </a:fld>
             <a:endParaRPr lang="ko-KR" altLang="en-US"/>
           </a:p>
@@ -1133,7 +1138,7 @@
           <a:p>
             <a:fld id="{24E151DA-104C-467A-99DA-88BBCE9178F4}" type="datetimeFigureOut">
               <a:rPr lang="ko-KR" altLang="en-US" smtClean="0"/>
-              <a:t>2022-05-25</a:t>
+              <a:t>2022-05-30</a:t>
             </a:fld>
             <a:endParaRPr lang="ko-KR" altLang="en-US"/>
           </a:p>
@@ -1398,7 +1403,7 @@
           <a:p>
             <a:fld id="{24E151DA-104C-467A-99DA-88BBCE9178F4}" type="datetimeFigureOut">
               <a:rPr lang="ko-KR" altLang="en-US" smtClean="0"/>
-              <a:t>2022-05-25</a:t>
+              <a:t>2022-05-30</a:t>
             </a:fld>
             <a:endParaRPr lang="ko-KR" altLang="en-US"/>
           </a:p>
@@ -1810,7 +1815,7 @@
           <a:p>
             <a:fld id="{24E151DA-104C-467A-99DA-88BBCE9178F4}" type="datetimeFigureOut">
               <a:rPr lang="ko-KR" altLang="en-US" smtClean="0"/>
-              <a:t>2022-05-25</a:t>
+              <a:t>2022-05-30</a:t>
             </a:fld>
             <a:endParaRPr lang="ko-KR" altLang="en-US"/>
           </a:p>
@@ -1951,7 +1956,7 @@
           <a:p>
             <a:fld id="{24E151DA-104C-467A-99DA-88BBCE9178F4}" type="datetimeFigureOut">
               <a:rPr lang="ko-KR" altLang="en-US" smtClean="0"/>
-              <a:t>2022-05-25</a:t>
+              <a:t>2022-05-30</a:t>
             </a:fld>
             <a:endParaRPr lang="ko-KR" altLang="en-US"/>
           </a:p>
@@ -2064,7 +2069,7 @@
           <a:p>
             <a:fld id="{24E151DA-104C-467A-99DA-88BBCE9178F4}" type="datetimeFigureOut">
               <a:rPr lang="ko-KR" altLang="en-US" smtClean="0"/>
-              <a:t>2022-05-25</a:t>
+              <a:t>2022-05-30</a:t>
             </a:fld>
             <a:endParaRPr lang="ko-KR" altLang="en-US"/>
           </a:p>
@@ -2375,7 +2380,7 @@
           <a:p>
             <a:fld id="{24E151DA-104C-467A-99DA-88BBCE9178F4}" type="datetimeFigureOut">
               <a:rPr lang="ko-KR" altLang="en-US" smtClean="0"/>
-              <a:t>2022-05-25</a:t>
+              <a:t>2022-05-30</a:t>
             </a:fld>
             <a:endParaRPr lang="ko-KR" altLang="en-US"/>
           </a:p>
@@ -2663,7 +2668,7 @@
           <a:p>
             <a:fld id="{24E151DA-104C-467A-99DA-88BBCE9178F4}" type="datetimeFigureOut">
               <a:rPr lang="ko-KR" altLang="en-US" smtClean="0"/>
-              <a:t>2022-05-25</a:t>
+              <a:t>2022-05-30</a:t>
             </a:fld>
             <a:endParaRPr lang="ko-KR" altLang="en-US"/>
           </a:p>
@@ -2904,7 +2909,7 @@
           <a:p>
             <a:fld id="{24E151DA-104C-467A-99DA-88BBCE9178F4}" type="datetimeFigureOut">
               <a:rPr lang="ko-KR" altLang="en-US" smtClean="0"/>
-              <a:t>2022-05-25</a:t>
+              <a:t>2022-05-30</a:t>
             </a:fld>
             <a:endParaRPr lang="ko-KR" altLang="en-US"/>
           </a:p>
@@ -3357,48 +3362,6 @@
           </a:prstGeom>
         </p:spPr>
       </p:pic>
-      <p:pic>
-        <p:nvPicPr>
-          <p:cNvPr id="7" name="그림 6">
-            <a:extLst>
-              <a:ext uri="{FF2B5EF4-FFF2-40B4-BE49-F238E27FC236}">
-                <a16:creationId xmlns:a16="http://schemas.microsoft.com/office/drawing/2014/main" id="{09F5BEFD-E9C0-46CB-9B19-9DFE8C539B2E}"/>
-              </a:ext>
-            </a:extLst>
-          </p:cNvPr>
-          <p:cNvPicPr>
-            <a:picLocks noChangeAspect="1"/>
-          </p:cNvPicPr>
-          <p:nvPr/>
-        </p:nvPicPr>
-        <p:blipFill>
-          <a:blip r:embed="rId3">
-            <a:extLst>
-              <a:ext uri="{28A0092B-C50C-407E-A947-70E740481C1C}">
-                <a14:useLocalDpi xmlns:a14="http://schemas.microsoft.com/office/drawing/2010/main" val="0"/>
-              </a:ext>
-            </a:extLst>
-          </a:blip>
-          <a:stretch>
-            <a:fillRect/>
-          </a:stretch>
-        </p:blipFill>
-        <p:spPr>
-          <a:xfrm>
-            <a:off x="7954163" y="427488"/>
-            <a:ext cx="3965312" cy="1516613"/>
-          </a:xfrm>
-          <a:prstGeom prst="rect">
-            <a:avLst/>
-          </a:prstGeom>
-          <a:noFill/>
-          <a:ln w="28575">
-            <a:solidFill>
-              <a:srgbClr val="FF0000"/>
-            </a:solidFill>
-          </a:ln>
-        </p:spPr>
-      </p:pic>
       <p:cxnSp>
         <p:nvCxnSpPr>
           <p:cNvPr id="9" name="직선 화살표 연결선 8">
@@ -3513,7 +3476,7 @@
           <p:nvPr/>
         </p:nvPicPr>
         <p:blipFill>
-          <a:blip r:embed="rId4">
+          <a:blip r:embed="rId3">
             <a:extLst>
               <a:ext uri="{28A0092B-C50C-407E-A947-70E740481C1C}">
                 <a14:useLocalDpi xmlns:a14="http://schemas.microsoft.com/office/drawing/2010/main" val="0"/>
@@ -3526,8 +3489,8 @@
         </p:blipFill>
         <p:spPr>
           <a:xfrm>
-            <a:off x="7954163" y="2606695"/>
-            <a:ext cx="3955712" cy="1321192"/>
+            <a:off x="7332626" y="2302282"/>
+            <a:ext cx="4577249" cy="1528783"/>
           </a:xfrm>
           <a:prstGeom prst="rect">
             <a:avLst/>
@@ -3729,48 +3692,6 @@
           </a:fontRef>
         </p:style>
       </p:cxnSp>
-      <p:pic>
-        <p:nvPicPr>
-          <p:cNvPr id="49" name="그림 48">
-            <a:extLst>
-              <a:ext uri="{FF2B5EF4-FFF2-40B4-BE49-F238E27FC236}">
-                <a16:creationId xmlns:a16="http://schemas.microsoft.com/office/drawing/2014/main" id="{4B6A87E2-57C2-4969-8CB7-0FFB38CDF1F2}"/>
-              </a:ext>
-            </a:extLst>
-          </p:cNvPr>
-          <p:cNvPicPr>
-            <a:picLocks noChangeAspect="1"/>
-          </p:cNvPicPr>
-          <p:nvPr/>
-        </p:nvPicPr>
-        <p:blipFill>
-          <a:blip r:embed="rId5">
-            <a:extLst>
-              <a:ext uri="{28A0092B-C50C-407E-A947-70E740481C1C}">
-                <a14:useLocalDpi xmlns:a14="http://schemas.microsoft.com/office/drawing/2010/main" val="0"/>
-              </a:ext>
-            </a:extLst>
-          </a:blip>
-          <a:stretch>
-            <a:fillRect/>
-          </a:stretch>
-        </p:blipFill>
-        <p:spPr>
-          <a:xfrm>
-            <a:off x="8197331" y="4275376"/>
-            <a:ext cx="3566124" cy="1733532"/>
-          </a:xfrm>
-          <a:prstGeom prst="rect">
-            <a:avLst/>
-          </a:prstGeom>
-          <a:noFill/>
-          <a:ln w="28575">
-            <a:solidFill>
-              <a:srgbClr val="FF0000"/>
-            </a:solidFill>
-          </a:ln>
-        </p:spPr>
-      </p:pic>
       <p:cxnSp>
         <p:nvCxnSpPr>
           <p:cNvPr id="51" name="연결선: 꺾임 50">
@@ -3869,48 +3790,6 @@
           </a:p>
         </p:txBody>
       </p:sp>
-      <p:pic>
-        <p:nvPicPr>
-          <p:cNvPr id="59" name="그림 58">
-            <a:extLst>
-              <a:ext uri="{FF2B5EF4-FFF2-40B4-BE49-F238E27FC236}">
-                <a16:creationId xmlns:a16="http://schemas.microsoft.com/office/drawing/2014/main" id="{C8BAD0DA-7FDA-4323-85F7-19947BAFEB85}"/>
-              </a:ext>
-            </a:extLst>
-          </p:cNvPr>
-          <p:cNvPicPr>
-            <a:picLocks noChangeAspect="1"/>
-          </p:cNvPicPr>
-          <p:nvPr/>
-        </p:nvPicPr>
-        <p:blipFill>
-          <a:blip r:embed="rId6">
-            <a:extLst>
-              <a:ext uri="{28A0092B-C50C-407E-A947-70E740481C1C}">
-                <a14:useLocalDpi xmlns:a14="http://schemas.microsoft.com/office/drawing/2010/main" val="0"/>
-              </a:ext>
-            </a:extLst>
-          </a:blip>
-          <a:stretch>
-            <a:fillRect/>
-          </a:stretch>
-        </p:blipFill>
-        <p:spPr>
-          <a:xfrm>
-            <a:off x="8175889" y="6242306"/>
-            <a:ext cx="1657581" cy="495369"/>
-          </a:xfrm>
-          <a:prstGeom prst="rect">
-            <a:avLst/>
-          </a:prstGeom>
-          <a:noFill/>
-          <a:ln w="28575">
-            <a:solidFill>
-              <a:srgbClr val="FF0000"/>
-            </a:solidFill>
-          </a:ln>
-        </p:spPr>
-      </p:pic>
       <p:cxnSp>
         <p:nvCxnSpPr>
           <p:cNvPr id="63" name="연결선: 꺾임 62">
@@ -3928,8 +3807,8 @@
         </p:nvCxnSpPr>
         <p:spPr>
           <a:xfrm rot="5400000" flipH="1" flipV="1">
-            <a:off x="6763390" y="3639267"/>
-            <a:ext cx="1562748" cy="818797"/>
+            <a:off x="6318378" y="3872907"/>
+            <a:ext cx="1820481" cy="208016"/>
           </a:xfrm>
           <a:prstGeom prst="bentConnector2">
             <a:avLst/>
@@ -3966,6 +3845,7 @@
             </a:extLst>
           </p:cNvPr>
           <p:cNvCxnSpPr>
+            <a:cxnSpLocks/>
             <a:endCxn id="59" idx="1"/>
           </p:cNvCxnSpPr>
           <p:nvPr/>
@@ -3973,11 +3853,11 @@
         <p:spPr>
           <a:xfrm>
             <a:off x="7124608" y="5943600"/>
-            <a:ext cx="1051281" cy="546391"/>
+            <a:ext cx="1051281" cy="523880"/>
           </a:xfrm>
           <a:prstGeom prst="bentConnector3">
             <a:avLst>
-              <a:gd name="adj1" fmla="val 882"/>
+              <a:gd name="adj1" fmla="val 50000"/>
             </a:avLst>
           </a:prstGeom>
           <a:noFill/>
@@ -4002,6 +3882,132 @@
           </a:fontRef>
         </p:style>
       </p:cxnSp>
+      <p:pic>
+        <p:nvPicPr>
+          <p:cNvPr id="7" name="그림 6">
+            <a:extLst>
+              <a:ext uri="{FF2B5EF4-FFF2-40B4-BE49-F238E27FC236}">
+                <a16:creationId xmlns:a16="http://schemas.microsoft.com/office/drawing/2014/main" id="{09F5BEFD-E9C0-46CB-9B19-9DFE8C539B2E}"/>
+              </a:ext>
+            </a:extLst>
+          </p:cNvPr>
+          <p:cNvPicPr>
+            <a:picLocks noChangeAspect="1"/>
+          </p:cNvPicPr>
+          <p:nvPr/>
+        </p:nvPicPr>
+        <p:blipFill>
+          <a:blip r:embed="rId4">
+            <a:extLst>
+              <a:ext uri="{28A0092B-C50C-407E-A947-70E740481C1C}">
+                <a14:useLocalDpi xmlns:a14="http://schemas.microsoft.com/office/drawing/2010/main" val="0"/>
+              </a:ext>
+            </a:extLst>
+          </a:blip>
+          <a:stretch>
+            <a:fillRect/>
+          </a:stretch>
+        </p:blipFill>
+        <p:spPr>
+          <a:xfrm>
+            <a:off x="7081136" y="120326"/>
+            <a:ext cx="4838340" cy="1850520"/>
+          </a:xfrm>
+          <a:prstGeom prst="rect">
+            <a:avLst/>
+          </a:prstGeom>
+          <a:noFill/>
+          <a:ln w="28575">
+            <a:solidFill>
+              <a:srgbClr val="FF0000"/>
+            </a:solidFill>
+          </a:ln>
+        </p:spPr>
+      </p:pic>
+      <p:pic>
+        <p:nvPicPr>
+          <p:cNvPr id="49" name="그림 48">
+            <a:extLst>
+              <a:ext uri="{FF2B5EF4-FFF2-40B4-BE49-F238E27FC236}">
+                <a16:creationId xmlns:a16="http://schemas.microsoft.com/office/drawing/2014/main" id="{4B6A87E2-57C2-4969-8CB7-0FFB38CDF1F2}"/>
+              </a:ext>
+            </a:extLst>
+          </p:cNvPr>
+          <p:cNvPicPr>
+            <a:picLocks noChangeAspect="1"/>
+          </p:cNvPicPr>
+          <p:nvPr/>
+        </p:nvPicPr>
+        <p:blipFill>
+          <a:blip r:embed="rId5">
+            <a:extLst>
+              <a:ext uri="{28A0092B-C50C-407E-A947-70E740481C1C}">
+                <a14:useLocalDpi xmlns:a14="http://schemas.microsoft.com/office/drawing/2010/main" val="0"/>
+              </a:ext>
+            </a:extLst>
+          </a:blip>
+          <a:stretch>
+            <a:fillRect/>
+          </a:stretch>
+        </p:blipFill>
+        <p:spPr>
+          <a:xfrm>
+            <a:off x="7870011" y="4083988"/>
+            <a:ext cx="3893444" cy="1892646"/>
+          </a:xfrm>
+          <a:prstGeom prst="rect">
+            <a:avLst/>
+          </a:prstGeom>
+          <a:noFill/>
+          <a:ln w="28575">
+            <a:solidFill>
+              <a:srgbClr val="FF0000"/>
+            </a:solidFill>
+          </a:ln>
+        </p:spPr>
+      </p:pic>
+      <p:pic>
+        <p:nvPicPr>
+          <p:cNvPr id="59" name="그림 58">
+            <a:extLst>
+              <a:ext uri="{FF2B5EF4-FFF2-40B4-BE49-F238E27FC236}">
+                <a16:creationId xmlns:a16="http://schemas.microsoft.com/office/drawing/2014/main" id="{C8BAD0DA-7FDA-4323-85F7-19947BAFEB85}"/>
+              </a:ext>
+            </a:extLst>
+          </p:cNvPr>
+          <p:cNvPicPr>
+            <a:picLocks noChangeAspect="1"/>
+          </p:cNvPicPr>
+          <p:nvPr/>
+        </p:nvPicPr>
+        <p:blipFill>
+          <a:blip r:embed="rId6">
+            <a:extLst>
+              <a:ext uri="{28A0092B-C50C-407E-A947-70E740481C1C}">
+                <a14:useLocalDpi xmlns:a14="http://schemas.microsoft.com/office/drawing/2010/main" val="0"/>
+              </a:ext>
+            </a:extLst>
+          </a:blip>
+          <a:stretch>
+            <a:fillRect/>
+          </a:stretch>
+        </p:blipFill>
+        <p:spPr>
+          <a:xfrm>
+            <a:off x="8175889" y="6197284"/>
+            <a:ext cx="1808235" cy="540392"/>
+          </a:xfrm>
+          <a:prstGeom prst="rect">
+            <a:avLst/>
+          </a:prstGeom>
+          <a:noFill/>
+          <a:ln w="28575">
+            <a:solidFill>
+              <a:srgbClr val="FF0000"/>
+            </a:solidFill>
+          </a:ln>
+        </p:spPr>
+      </p:pic>
     </p:spTree>
     <p:extLst>
       <p:ext uri="{BB962C8B-B14F-4D97-AF65-F5344CB8AC3E}">
